--- a/2021/doc/修論図.pptx
+++ b/2021/doc/修論図.pptx
@@ -6,7 +6,8 @@
   </p:sldMasterIdLst>
   <p:sldIdLst>
     <p:sldId id="256" r:id="rId2"/>
-    <p:sldId id="257" r:id="rId3"/>
+    <p:sldId id="258" r:id="rId3"/>
+    <p:sldId id="257" r:id="rId4"/>
   </p:sldIdLst>
   <p:sldSz cx="12192000" cy="6858000"/>
   <p:notesSz cx="6858000" cy="9144000"/>
@@ -105,6 +106,11 @@
       </a:defRPr>
     </a:lvl9pPr>
   </p:defaultTextStyle>
+  <p:extLst>
+    <p:ext uri="{EFAFB233-063F-42B5-8137-9DF3F51BA10A}">
+      <p15:sldGuideLst xmlns:p15="http://schemas.microsoft.com/office/powerpoint/2012/main"/>
+    </p:ext>
+  </p:extLst>
 </p:presentation>
 </file>
 
@@ -3695,10 +3701,10 @@
       </p:grpSpPr>
       <p:sp>
         <p:nvSpPr>
-          <p:cNvPr id="2" name="タイトル 1">
-            <a:extLst>
-              <a:ext uri="{FF2B5EF4-FFF2-40B4-BE49-F238E27FC236}">
-                <a16:creationId xmlns:a16="http://schemas.microsoft.com/office/drawing/2014/main" id="{67B44286-956E-1A48-A0F1-0314FB590757}"/>
+          <p:cNvPr id="9" name="タイトル 1">
+            <a:extLst>
+              <a:ext uri="{FF2B5EF4-FFF2-40B4-BE49-F238E27FC236}">
+                <a16:creationId xmlns:a16="http://schemas.microsoft.com/office/drawing/2014/main" id="{396AAA63-4585-404D-8491-A204847E0DB6}"/>
               </a:ext>
             </a:extLst>
           </p:cNvPr>
@@ -3709,15 +3715,949 @@
             <p:ph type="title"/>
           </p:nvPr>
         </p:nvSpPr>
-        <p:spPr/>
-        <p:txBody>
-          <a:bodyPr/>
-          <a:lstStyle/>
-          <a:p>
+        <p:spPr>
+          <a:xfrm>
+            <a:off x="838200" y="365125"/>
+            <a:ext cx="10515600" cy="1325563"/>
+          </a:xfrm>
+        </p:spPr>
+        <p:txBody>
+          <a:bodyPr/>
+          <a:lstStyle/>
+          <a:p>
+            <a:r>
+              <a:rPr lang="en-US" altLang="ja-JP" dirty="0"/>
+              <a:t>SVM</a:t>
+            </a:r>
+            <a:r>
+              <a:rPr lang="ja-JP" altLang="en-US"/>
+              <a:t>が正答したタンパク質構造を確認</a:t>
+            </a:r>
             <a:endParaRPr kumimoji="1" lang="ja-JP" altLang="en-US"/>
           </a:p>
         </p:txBody>
       </p:sp>
+      <p:grpSp>
+        <p:nvGrpSpPr>
+          <p:cNvPr id="19" name="グループ化 18">
+            <a:extLst>
+              <a:ext uri="{FF2B5EF4-FFF2-40B4-BE49-F238E27FC236}">
+                <a16:creationId xmlns:a16="http://schemas.microsoft.com/office/drawing/2014/main" id="{180A491E-3E5E-B84B-A936-B330498240F0}"/>
+              </a:ext>
+            </a:extLst>
+          </p:cNvPr>
+          <p:cNvGrpSpPr/>
+          <p:nvPr/>
+        </p:nvGrpSpPr>
+        <p:grpSpPr>
+          <a:xfrm>
+            <a:off x="535248" y="1512502"/>
+            <a:ext cx="10515600" cy="5147303"/>
+            <a:chOff x="535248" y="1512502"/>
+            <a:chExt cx="10515600" cy="5147303"/>
+          </a:xfrm>
+        </p:grpSpPr>
+        <p:sp>
+          <p:nvSpPr>
+            <p:cNvPr id="12" name="タイトル 1">
+              <a:extLst>
+                <a:ext uri="{FF2B5EF4-FFF2-40B4-BE49-F238E27FC236}">
+                  <a16:creationId xmlns:a16="http://schemas.microsoft.com/office/drawing/2014/main" id="{6747DE94-CDEE-1A44-A2E3-718240287D03}"/>
+                </a:ext>
+              </a:extLst>
+            </p:cNvPr>
+            <p:cNvSpPr txBox="1">
+              <a:spLocks/>
+            </p:cNvSpPr>
+            <p:nvPr/>
+          </p:nvSpPr>
+          <p:spPr>
+            <a:xfrm>
+              <a:off x="535248" y="5334242"/>
+              <a:ext cx="10515600" cy="1325563"/>
+            </a:xfrm>
+            <a:prstGeom prst="rect">
+              <a:avLst/>
+            </a:prstGeom>
+          </p:spPr>
+          <p:txBody>
+            <a:bodyPr vert="horz" lIns="91440" tIns="45720" rIns="91440" bIns="45720" rtlCol="0" anchor="ctr">
+              <a:normAutofit/>
+            </a:bodyPr>
+            <a:lstStyle>
+              <a:lvl1pPr algn="l" defTabSz="914400" rtl="0" eaLnBrk="1" latinLnBrk="0" hangingPunct="1">
+                <a:lnSpc>
+                  <a:spcPct val="90000"/>
+                </a:lnSpc>
+                <a:spcBef>
+                  <a:spcPct val="0"/>
+                </a:spcBef>
+                <a:buNone/>
+                <a:defRPr kumimoji="1" sz="4400" kern="1200">
+                  <a:solidFill>
+                    <a:schemeClr val="tx1"/>
+                  </a:solidFill>
+                  <a:latin typeface="+mj-lt"/>
+                  <a:ea typeface="+mj-ea"/>
+                  <a:cs typeface="+mj-cs"/>
+                </a:defRPr>
+              </a:lvl1pPr>
+            </a:lstStyle>
+            <a:p>
+              <a:r>
+                <a:rPr lang="ja-JP" altLang="en-US" sz="2000">
+                  <a:latin typeface="+mn-lt"/>
+                </a:rPr>
+                <a:t>図３：機械学習モデルが予測を正答したタンパク質のポケットの例</a:t>
+              </a:r>
+              <a:endParaRPr lang="en-US" altLang="ja-JP" sz="2000" dirty="0">
+                <a:latin typeface="+mn-lt"/>
+              </a:endParaRPr>
+            </a:p>
+            <a:p>
+              <a:r>
+                <a:rPr lang="ja-JP" altLang="en-US" sz="2000">
+                  <a:latin typeface="+mn-lt"/>
+                </a:rPr>
+                <a:t>（アポ構造</a:t>
+              </a:r>
+              <a:r>
+                <a:rPr lang="en-US" altLang="ja-JP" sz="2000" dirty="0">
+                  <a:latin typeface="+mn-lt"/>
+                </a:rPr>
+                <a:t>: 1BSQA</a:t>
+              </a:r>
+              <a:r>
+                <a:rPr lang="ja-JP" altLang="en-US" sz="2000">
+                  <a:latin typeface="+mn-lt"/>
+                </a:rPr>
+                <a:t>、ホロ構造</a:t>
+              </a:r>
+              <a:r>
+                <a:rPr lang="en-US" altLang="ja-JP" sz="2000" dirty="0">
+                  <a:latin typeface="+mn-lt"/>
+                </a:rPr>
+                <a:t>:</a:t>
+              </a:r>
+              <a:r>
+                <a:rPr lang="en" altLang="ja-JP" sz="2000" dirty="0">
+                  <a:latin typeface="+mn-lt"/>
+                </a:rPr>
+                <a:t> 1GX8A</a:t>
+              </a:r>
+              <a:r>
+                <a:rPr lang="ja-JP" altLang="en-US" sz="2000">
+                  <a:latin typeface="+mn-lt"/>
+                </a:rPr>
+                <a:t>、リガンド</a:t>
+              </a:r>
+              <a:r>
+                <a:rPr lang="en-US" altLang="ja-JP" sz="2000" dirty="0">
+                  <a:latin typeface="+mn-lt"/>
+                </a:rPr>
+                <a:t>: RTL</a:t>
+              </a:r>
+              <a:r>
+                <a:rPr lang="ja-JP" altLang="en-US" sz="2000">
+                  <a:latin typeface="+mn-lt"/>
+                </a:rPr>
+                <a:t>）</a:t>
+              </a:r>
+            </a:p>
+          </p:txBody>
+        </p:sp>
+        <p:grpSp>
+          <p:nvGrpSpPr>
+            <p:cNvPr id="18" name="グループ化 17">
+              <a:extLst>
+                <a:ext uri="{FF2B5EF4-FFF2-40B4-BE49-F238E27FC236}">
+                  <a16:creationId xmlns:a16="http://schemas.microsoft.com/office/drawing/2014/main" id="{6A118C31-81D1-B94A-ACE4-57042629E22B}"/>
+                </a:ext>
+              </a:extLst>
+            </p:cNvPr>
+            <p:cNvGrpSpPr/>
+            <p:nvPr/>
+          </p:nvGrpSpPr>
+          <p:grpSpPr>
+            <a:xfrm>
+              <a:off x="546823" y="1512502"/>
+              <a:ext cx="8015630" cy="4045515"/>
+              <a:chOff x="546823" y="1512502"/>
+              <a:chExt cx="8015630" cy="4045515"/>
+            </a:xfrm>
+          </p:grpSpPr>
+          <p:sp>
+            <p:nvSpPr>
+              <p:cNvPr id="10" name="テキスト ボックス 9">
+                <a:extLst>
+                  <a:ext uri="{FF2B5EF4-FFF2-40B4-BE49-F238E27FC236}">
+                    <a16:creationId xmlns:a16="http://schemas.microsoft.com/office/drawing/2014/main" id="{8D68E5E4-46F9-8F4B-BA14-EF77350EC0B0}"/>
+                  </a:ext>
+                </a:extLst>
+              </p:cNvPr>
+              <p:cNvSpPr txBox="1"/>
+              <p:nvPr/>
+            </p:nvSpPr>
+            <p:spPr>
+              <a:xfrm>
+                <a:off x="546823" y="1512502"/>
+                <a:ext cx="1210588" cy="400110"/>
+              </a:xfrm>
+              <a:prstGeom prst="rect">
+                <a:avLst/>
+              </a:prstGeom>
+              <a:noFill/>
+            </p:spPr>
+            <p:txBody>
+              <a:bodyPr wrap="none" rtlCol="0">
+                <a:spAutoFit/>
+              </a:bodyPr>
+              <a:lstStyle/>
+              <a:p>
+                <a:r>
+                  <a:rPr lang="ja-JP" altLang="en-US" sz="2000"/>
+                  <a:t>アポ構造</a:t>
+                </a:r>
+                <a:endParaRPr kumimoji="1" lang="ja-JP" altLang="en-US" sz="2000"/>
+              </a:p>
+            </p:txBody>
+          </p:sp>
+          <p:sp>
+            <p:nvSpPr>
+              <p:cNvPr id="11" name="テキスト ボックス 10">
+                <a:extLst>
+                  <a:ext uri="{FF2B5EF4-FFF2-40B4-BE49-F238E27FC236}">
+                    <a16:creationId xmlns:a16="http://schemas.microsoft.com/office/drawing/2014/main" id="{C87F1B46-F8DE-C444-89FA-6B4FFB18FC8D}"/>
+                  </a:ext>
+                </a:extLst>
+              </p:cNvPr>
+              <p:cNvSpPr txBox="1"/>
+              <p:nvPr/>
+            </p:nvSpPr>
+            <p:spPr>
+              <a:xfrm>
+                <a:off x="4618296" y="1515056"/>
+                <a:ext cx="1210588" cy="400110"/>
+              </a:xfrm>
+              <a:prstGeom prst="rect">
+                <a:avLst/>
+              </a:prstGeom>
+              <a:noFill/>
+            </p:spPr>
+            <p:txBody>
+              <a:bodyPr wrap="none" rtlCol="0">
+                <a:spAutoFit/>
+              </a:bodyPr>
+              <a:lstStyle/>
+              <a:p>
+                <a:r>
+                  <a:rPr lang="ja-JP" altLang="en-US" sz="2000"/>
+                  <a:t>ホロ構造</a:t>
+                </a:r>
+                <a:endParaRPr kumimoji="1" lang="ja-JP" altLang="en-US" sz="2000"/>
+              </a:p>
+            </p:txBody>
+          </p:sp>
+          <p:pic>
+            <p:nvPicPr>
+              <p:cNvPr id="13" name="図 12" descr="グリーン, テーブル, キーボード, 顔 が含まれている画像&#10;&#10;自動的に生成された説明">
+                <a:extLst>
+                  <a:ext uri="{FF2B5EF4-FFF2-40B4-BE49-F238E27FC236}">
+                    <a16:creationId xmlns:a16="http://schemas.microsoft.com/office/drawing/2014/main" id="{514A388F-69A2-5443-9349-7107C775ED56}"/>
+                  </a:ext>
+                </a:extLst>
+              </p:cNvPr>
+              <p:cNvPicPr>
+                <a:picLocks noChangeAspect="1"/>
+              </p:cNvPicPr>
+              <p:nvPr/>
+            </p:nvPicPr>
+            <p:blipFill rotWithShape="1">
+              <a:blip r:embed="rId2"/>
+              <a:srcRect r="14117"/>
+              <a:stretch/>
+            </p:blipFill>
+            <p:spPr>
+              <a:xfrm>
+                <a:off x="581548" y="1950791"/>
+                <a:ext cx="4048325" cy="3605896"/>
+              </a:xfrm>
+              <a:prstGeom prst="rect">
+                <a:avLst/>
+              </a:prstGeom>
+            </p:spPr>
+          </p:pic>
+          <p:pic>
+            <p:nvPicPr>
+              <p:cNvPr id="14" name="図 13" descr="テーブル, 誕生日, コンピュータ, 食品 が含まれている画像&#10;&#10;自動的に生成された説明">
+                <a:extLst>
+                  <a:ext uri="{FF2B5EF4-FFF2-40B4-BE49-F238E27FC236}">
+                    <a16:creationId xmlns:a16="http://schemas.microsoft.com/office/drawing/2014/main" id="{0C9F87BF-1E24-0E49-9D5F-0EDDB314F253}"/>
+                  </a:ext>
+                </a:extLst>
+              </p:cNvPr>
+              <p:cNvPicPr>
+                <a:picLocks noChangeAspect="1"/>
+              </p:cNvPicPr>
+              <p:nvPr/>
+            </p:nvPicPr>
+            <p:blipFill rotWithShape="1">
+              <a:blip r:embed="rId3"/>
+              <a:srcRect r="18751"/>
+              <a:stretch/>
+            </p:blipFill>
+            <p:spPr>
+              <a:xfrm>
+                <a:off x="4629874" y="1962149"/>
+                <a:ext cx="3932579" cy="3595868"/>
+              </a:xfrm>
+              <a:prstGeom prst="rect">
+                <a:avLst/>
+              </a:prstGeom>
+            </p:spPr>
+          </p:pic>
+          <p:sp>
+            <p:nvSpPr>
+              <p:cNvPr id="15" name="ドーナツ 14">
+                <a:extLst>
+                  <a:ext uri="{FF2B5EF4-FFF2-40B4-BE49-F238E27FC236}">
+                    <a16:creationId xmlns:a16="http://schemas.microsoft.com/office/drawing/2014/main" id="{E96538D6-AD48-0E49-AB4A-167C06BE5FC6}"/>
+                  </a:ext>
+                </a:extLst>
+              </p:cNvPr>
+              <p:cNvSpPr/>
+              <p:nvPr/>
+            </p:nvSpPr>
+            <p:spPr>
+              <a:xfrm>
+                <a:off x="1153126" y="2291788"/>
+                <a:ext cx="2735967" cy="2735967"/>
+              </a:xfrm>
+              <a:prstGeom prst="donut">
+                <a:avLst>
+                  <a:gd name="adj" fmla="val 4690"/>
+                </a:avLst>
+              </a:prstGeom>
+              <a:solidFill>
+                <a:srgbClr val="0070C0"/>
+              </a:solidFill>
+              <a:ln>
+                <a:noFill/>
+              </a:ln>
+            </p:spPr>
+            <p:style>
+              <a:lnRef idx="2">
+                <a:schemeClr val="accent1">
+                  <a:shade val="50000"/>
+                </a:schemeClr>
+              </a:lnRef>
+              <a:fillRef idx="1">
+                <a:schemeClr val="accent1"/>
+              </a:fillRef>
+              <a:effectRef idx="0">
+                <a:schemeClr val="accent1"/>
+              </a:effectRef>
+              <a:fontRef idx="minor">
+                <a:schemeClr val="lt1"/>
+              </a:fontRef>
+            </p:style>
+            <p:txBody>
+              <a:bodyPr rtlCol="0" anchor="ctr"/>
+              <a:lstStyle/>
+              <a:p>
+                <a:pPr algn="ctr"/>
+                <a:endParaRPr kumimoji="1" lang="ja-JP" altLang="en-US">
+                  <a:solidFill>
+                    <a:schemeClr val="tx1"/>
+                  </a:solidFill>
+                </a:endParaRPr>
+              </a:p>
+            </p:txBody>
+          </p:sp>
+          <p:sp>
+            <p:nvSpPr>
+              <p:cNvPr id="17" name="ドーナツ 16">
+                <a:extLst>
+                  <a:ext uri="{FF2B5EF4-FFF2-40B4-BE49-F238E27FC236}">
+                    <a16:creationId xmlns:a16="http://schemas.microsoft.com/office/drawing/2014/main" id="{827897B2-61F3-7541-8BED-1F47855FE96C}"/>
+                  </a:ext>
+                </a:extLst>
+              </p:cNvPr>
+              <p:cNvSpPr/>
+              <p:nvPr/>
+            </p:nvSpPr>
+            <p:spPr>
+              <a:xfrm>
+                <a:off x="4994554" y="2291787"/>
+                <a:ext cx="2735967" cy="2735967"/>
+              </a:xfrm>
+              <a:prstGeom prst="donut">
+                <a:avLst>
+                  <a:gd name="adj" fmla="val 4690"/>
+                </a:avLst>
+              </a:prstGeom>
+              <a:solidFill>
+                <a:srgbClr val="0070C0"/>
+              </a:solidFill>
+              <a:ln>
+                <a:noFill/>
+              </a:ln>
+            </p:spPr>
+            <p:style>
+              <a:lnRef idx="2">
+                <a:schemeClr val="accent1">
+                  <a:shade val="50000"/>
+                </a:schemeClr>
+              </a:lnRef>
+              <a:fillRef idx="1">
+                <a:schemeClr val="accent1"/>
+              </a:fillRef>
+              <a:effectRef idx="0">
+                <a:schemeClr val="accent1"/>
+              </a:effectRef>
+              <a:fontRef idx="minor">
+                <a:schemeClr val="lt1"/>
+              </a:fontRef>
+            </p:style>
+            <p:txBody>
+              <a:bodyPr rtlCol="0" anchor="ctr"/>
+              <a:lstStyle/>
+              <a:p>
+                <a:pPr algn="ctr"/>
+                <a:endParaRPr kumimoji="1" lang="ja-JP" altLang="en-US">
+                  <a:solidFill>
+                    <a:schemeClr val="tx1"/>
+                  </a:solidFill>
+                </a:endParaRPr>
+              </a:p>
+            </p:txBody>
+          </p:sp>
+        </p:grpSp>
+      </p:grpSp>
+    </p:spTree>
+    <p:extLst>
+      <p:ext uri="{BB962C8B-B14F-4D97-AF65-F5344CB8AC3E}">
+        <p14:creationId xmlns:p14="http://schemas.microsoft.com/office/powerpoint/2010/main" val="1514449479"/>
+      </p:ext>
+    </p:extLst>
+  </p:cSld>
+  <p:clrMapOvr>
+    <a:masterClrMapping/>
+  </p:clrMapOvr>
+</p:sld>
+</file>
+
+<file path=ppt/slides/slide3.xml><?xml version="1.0" encoding="utf-8"?>
+<p:sld xmlns:a="http://schemas.openxmlformats.org/drawingml/2006/main" xmlns:r="http://schemas.openxmlformats.org/officeDocument/2006/relationships" xmlns:p="http://schemas.openxmlformats.org/presentationml/2006/main">
+  <p:cSld>
+    <p:spTree>
+      <p:nvGrpSpPr>
+        <p:cNvPr id="1" name=""/>
+        <p:cNvGrpSpPr/>
+        <p:nvPr/>
+      </p:nvGrpSpPr>
+      <p:grpSpPr>
+        <a:xfrm>
+          <a:off x="0" y="0"/>
+          <a:ext cx="0" cy="0"/>
+          <a:chOff x="0" y="0"/>
+          <a:chExt cx="0" cy="0"/>
+        </a:xfrm>
+      </p:grpSpPr>
+      <p:sp>
+        <p:nvSpPr>
+          <p:cNvPr id="5" name="タイトル 1">
+            <a:extLst>
+              <a:ext uri="{FF2B5EF4-FFF2-40B4-BE49-F238E27FC236}">
+                <a16:creationId xmlns:a16="http://schemas.microsoft.com/office/drawing/2014/main" id="{EA61ECA0-0ACF-6149-A929-1742CAB42CE4}"/>
+              </a:ext>
+            </a:extLst>
+          </p:cNvPr>
+          <p:cNvSpPr txBox="1">
+            <a:spLocks/>
+          </p:cNvSpPr>
+          <p:nvPr/>
+        </p:nvSpPr>
+        <p:spPr>
+          <a:xfrm>
+            <a:off x="682905" y="5543652"/>
+            <a:ext cx="7963383" cy="1221672"/>
+          </a:xfrm>
+          <a:prstGeom prst="rect">
+            <a:avLst/>
+          </a:prstGeom>
+        </p:spPr>
+        <p:txBody>
+          <a:bodyPr vert="horz" lIns="91440" tIns="45720" rIns="91440" bIns="45720" rtlCol="0" anchor="ctr">
+            <a:normAutofit/>
+          </a:bodyPr>
+          <a:lstStyle>
+            <a:lvl1pPr algn="l" defTabSz="914400" rtl="0" eaLnBrk="1" latinLnBrk="0" hangingPunct="1">
+              <a:lnSpc>
+                <a:spcPct val="90000"/>
+              </a:lnSpc>
+              <a:spcBef>
+                <a:spcPct val="0"/>
+              </a:spcBef>
+              <a:buNone/>
+              <a:defRPr kumimoji="1" sz="4400" kern="1200">
+                <a:solidFill>
+                  <a:schemeClr val="tx1"/>
+                </a:solidFill>
+                <a:latin typeface="+mj-lt"/>
+                <a:ea typeface="+mj-ea"/>
+                <a:cs typeface="+mj-cs"/>
+              </a:defRPr>
+            </a:lvl1pPr>
+          </a:lstStyle>
+          <a:p>
+            <a:r>
+              <a:rPr lang="ja-JP" altLang="en-US" sz="2000"/>
+              <a:t>図</a:t>
+            </a:r>
+            <a:r>
+              <a:rPr lang="en-US" altLang="ja-JP" sz="2000" dirty="0"/>
+              <a:t>4</a:t>
+            </a:r>
+            <a:r>
+              <a:rPr lang="ja-JP" altLang="en-US" sz="2000"/>
+              <a:t>：機械学習モデルが予測を誤答</a:t>
+            </a:r>
+            <a:r>
+              <a:rPr lang="en-US" altLang="ja-JP" sz="2000" dirty="0"/>
+              <a:t>(</a:t>
+            </a:r>
+            <a:r>
+              <a:rPr lang="ja-JP" altLang="en-US" sz="2000"/>
+              <a:t>クリプトサイトではない凹みと予測</a:t>
+            </a:r>
+            <a:r>
+              <a:rPr lang="en-US" altLang="ja-JP" sz="2000" dirty="0"/>
+              <a:t>)</a:t>
+            </a:r>
+            <a:r>
+              <a:rPr lang="ja-JP" altLang="en-US" sz="2000"/>
+              <a:t>したタンパク質のポケットの例（アポ構造</a:t>
+            </a:r>
+            <a:r>
+              <a:rPr lang="en-US" altLang="ja-JP" sz="2000" dirty="0"/>
+              <a:t>: 1Z92A</a:t>
+            </a:r>
+            <a:r>
+              <a:rPr lang="ja-JP" altLang="en-US" sz="2000"/>
+              <a:t>、ホロ構造</a:t>
+            </a:r>
+            <a:r>
+              <a:rPr lang="en" altLang="ja-JP" sz="2000" dirty="0"/>
+              <a:t> </a:t>
+            </a:r>
+            <a:r>
+              <a:rPr lang="en-US" altLang="ja-JP" sz="2000" dirty="0"/>
+              <a:t>:</a:t>
+            </a:r>
+            <a:r>
+              <a:rPr lang="en" altLang="ja-JP" sz="2000" dirty="0"/>
+              <a:t> 1PY2A</a:t>
+            </a:r>
+            <a:r>
+              <a:rPr lang="ja-JP" altLang="en-US" sz="2000"/>
+              <a:t>、リガンド</a:t>
+            </a:r>
+            <a:r>
+              <a:rPr lang="en-US" altLang="ja-JP" sz="2000" dirty="0"/>
+              <a:t>: FRH</a:t>
+            </a:r>
+            <a:r>
+              <a:rPr lang="ja-JP" altLang="en-US" sz="2000"/>
+              <a:t>）</a:t>
+            </a:r>
+          </a:p>
+        </p:txBody>
+      </p:sp>
+      <p:sp>
+        <p:nvSpPr>
+          <p:cNvPr id="8" name="タイトル 1">
+            <a:extLst>
+              <a:ext uri="{FF2B5EF4-FFF2-40B4-BE49-F238E27FC236}">
+                <a16:creationId xmlns:a16="http://schemas.microsoft.com/office/drawing/2014/main" id="{D5D76515-7B15-5048-B582-C9A97101E6D2}"/>
+              </a:ext>
+            </a:extLst>
+          </p:cNvPr>
+          <p:cNvSpPr txBox="1">
+            <a:spLocks/>
+          </p:cNvSpPr>
+          <p:nvPr/>
+        </p:nvSpPr>
+        <p:spPr>
+          <a:xfrm>
+            <a:off x="0" y="365125"/>
+            <a:ext cx="12072395" cy="1325563"/>
+          </a:xfrm>
+          <a:prstGeom prst="rect">
+            <a:avLst/>
+          </a:prstGeom>
+        </p:spPr>
+        <p:txBody>
+          <a:bodyPr vert="horz" lIns="91440" tIns="45720" rIns="91440" bIns="45720" rtlCol="0" anchor="ctr">
+            <a:normAutofit/>
+          </a:bodyPr>
+          <a:lstStyle>
+            <a:lvl1pPr algn="l" defTabSz="914400" rtl="0" eaLnBrk="1" latinLnBrk="0" hangingPunct="1">
+              <a:lnSpc>
+                <a:spcPct val="90000"/>
+              </a:lnSpc>
+              <a:spcBef>
+                <a:spcPct val="0"/>
+              </a:spcBef>
+              <a:buNone/>
+              <a:defRPr kumimoji="1" sz="4400" kern="1200">
+                <a:solidFill>
+                  <a:schemeClr val="tx1"/>
+                </a:solidFill>
+                <a:latin typeface="+mj-lt"/>
+                <a:ea typeface="+mj-ea"/>
+                <a:cs typeface="+mj-cs"/>
+              </a:defRPr>
+            </a:lvl1pPr>
+          </a:lstStyle>
+          <a:p>
+            <a:r>
+              <a:rPr lang="en-US" altLang="ja-JP" sz="4000" dirty="0"/>
+              <a:t>SVM</a:t>
+            </a:r>
+            <a:r>
+              <a:rPr lang="ja-JP" altLang="en-US" sz="4000"/>
+              <a:t>が誤答</a:t>
+            </a:r>
+            <a:r>
+              <a:rPr lang="en-US" altLang="ja-JP" sz="4000" dirty="0"/>
+              <a:t>(0</a:t>
+            </a:r>
+            <a:r>
+              <a:rPr lang="ja-JP" altLang="en-US" sz="4000"/>
+              <a:t>と予測</a:t>
+            </a:r>
+            <a:r>
+              <a:rPr lang="en-US" altLang="ja-JP" sz="4000" dirty="0"/>
+              <a:t>)</a:t>
+            </a:r>
+            <a:r>
+              <a:rPr lang="ja-JP" altLang="en-US" sz="4000"/>
+              <a:t>したタンパク質構造を確認</a:t>
+            </a:r>
+          </a:p>
+        </p:txBody>
+      </p:sp>
+      <p:grpSp>
+        <p:nvGrpSpPr>
+          <p:cNvPr id="15" name="グループ化 14">
+            <a:extLst>
+              <a:ext uri="{FF2B5EF4-FFF2-40B4-BE49-F238E27FC236}">
+                <a16:creationId xmlns:a16="http://schemas.microsoft.com/office/drawing/2014/main" id="{E9C08A49-4715-3041-802C-E86BE2A51EB7}"/>
+              </a:ext>
+            </a:extLst>
+          </p:cNvPr>
+          <p:cNvGrpSpPr/>
+          <p:nvPr/>
+        </p:nvGrpSpPr>
+        <p:grpSpPr>
+          <a:xfrm>
+            <a:off x="833379" y="1690688"/>
+            <a:ext cx="6875358" cy="3949014"/>
+            <a:chOff x="775504" y="1691929"/>
+            <a:chExt cx="6875358" cy="3949014"/>
+          </a:xfrm>
+        </p:grpSpPr>
+        <p:grpSp>
+          <p:nvGrpSpPr>
+            <p:cNvPr id="13" name="グループ化 12">
+              <a:extLst>
+                <a:ext uri="{FF2B5EF4-FFF2-40B4-BE49-F238E27FC236}">
+                  <a16:creationId xmlns:a16="http://schemas.microsoft.com/office/drawing/2014/main" id="{0FD18ECC-AFEB-4F4F-8565-310EB4B4D532}"/>
+                </a:ext>
+              </a:extLst>
+            </p:cNvPr>
+            <p:cNvGrpSpPr/>
+            <p:nvPr/>
+          </p:nvGrpSpPr>
+          <p:grpSpPr>
+            <a:xfrm>
+              <a:off x="775504" y="1691929"/>
+              <a:ext cx="6875358" cy="3949014"/>
+              <a:chOff x="810229" y="1691929"/>
+              <a:chExt cx="6875358" cy="3949014"/>
+            </a:xfrm>
+          </p:grpSpPr>
+          <p:grpSp>
+            <p:nvGrpSpPr>
+              <p:cNvPr id="10" name="グループ化 9">
+                <a:extLst>
+                  <a:ext uri="{FF2B5EF4-FFF2-40B4-BE49-F238E27FC236}">
+                    <a16:creationId xmlns:a16="http://schemas.microsoft.com/office/drawing/2014/main" id="{45D70DB7-1494-3540-A622-F8C1F218072B}"/>
+                  </a:ext>
+                </a:extLst>
+              </p:cNvPr>
+              <p:cNvGrpSpPr/>
+              <p:nvPr/>
+            </p:nvGrpSpPr>
+            <p:grpSpPr>
+              <a:xfrm>
+                <a:off x="810229" y="1691929"/>
+                <a:ext cx="6875358" cy="3859697"/>
+                <a:chOff x="810229" y="1691929"/>
+                <a:chExt cx="6875358" cy="3859697"/>
+              </a:xfrm>
+            </p:grpSpPr>
+            <p:sp>
+              <p:nvSpPr>
+                <p:cNvPr id="3" name="テキスト ボックス 2">
+                  <a:extLst>
+                    <a:ext uri="{FF2B5EF4-FFF2-40B4-BE49-F238E27FC236}">
+                      <a16:creationId xmlns:a16="http://schemas.microsoft.com/office/drawing/2014/main" id="{16EDC749-69AA-4046-B0A1-ABA0B11CEEA8}"/>
+                    </a:ext>
+                  </a:extLst>
+                </p:cNvPr>
+                <p:cNvSpPr txBox="1"/>
+                <p:nvPr/>
+              </p:nvSpPr>
+              <p:spPr>
+                <a:xfrm>
+                  <a:off x="810229" y="1693169"/>
+                  <a:ext cx="1354238" cy="400110"/>
+                </a:xfrm>
+                <a:prstGeom prst="rect">
+                  <a:avLst/>
+                </a:prstGeom>
+                <a:noFill/>
+              </p:spPr>
+              <p:txBody>
+                <a:bodyPr wrap="square" rtlCol="0">
+                  <a:spAutoFit/>
+                </a:bodyPr>
+                <a:lstStyle/>
+                <a:p>
+                  <a:r>
+                    <a:rPr lang="ja-JP" altLang="en-US" sz="2000"/>
+                    <a:t>アポ構造</a:t>
+                  </a:r>
+                </a:p>
+              </p:txBody>
+            </p:sp>
+            <p:pic>
+              <p:nvPicPr>
+                <p:cNvPr id="6" name="図 5" descr="ケーキ, 誕生日, テーブル, 食品 が含まれている画像&#10;&#10;自動的に生成された説明">
+                  <a:extLst>
+                    <a:ext uri="{FF2B5EF4-FFF2-40B4-BE49-F238E27FC236}">
+                      <a16:creationId xmlns:a16="http://schemas.microsoft.com/office/drawing/2014/main" id="{CC17CF8C-15DB-5A46-9C9B-6E2A885A8AAF}"/>
+                    </a:ext>
+                  </a:extLst>
+                </p:cNvPr>
+                <p:cNvPicPr>
+                  <a:picLocks noChangeAspect="1"/>
+                </p:cNvPicPr>
+                <p:nvPr/>
+              </p:nvPicPr>
+              <p:blipFill>
+                <a:blip r:embed="rId2"/>
+                <a:stretch>
+                  <a:fillRect/>
+                </a:stretch>
+              </p:blipFill>
+              <p:spPr>
+                <a:xfrm>
+                  <a:off x="4247908" y="2113947"/>
+                  <a:ext cx="3437679" cy="3437679"/>
+                </a:xfrm>
+                <a:prstGeom prst="rect">
+                  <a:avLst/>
+                </a:prstGeom>
+              </p:spPr>
+            </p:pic>
+            <p:pic>
+              <p:nvPicPr>
+                <p:cNvPr id="7" name="図 6" descr="食品 が含まれている画像&#10;&#10;自動的に生成された説明">
+                  <a:extLst>
+                    <a:ext uri="{FF2B5EF4-FFF2-40B4-BE49-F238E27FC236}">
+                      <a16:creationId xmlns:a16="http://schemas.microsoft.com/office/drawing/2014/main" id="{DC78A500-AB07-4942-917F-1C4C65C46000}"/>
+                    </a:ext>
+                  </a:extLst>
+                </p:cNvPr>
+                <p:cNvPicPr>
+                  <a:picLocks noChangeAspect="1"/>
+                </p:cNvPicPr>
+                <p:nvPr/>
+              </p:nvPicPr>
+              <p:blipFill>
+                <a:blip r:embed="rId3"/>
+                <a:stretch>
+                  <a:fillRect/>
+                </a:stretch>
+              </p:blipFill>
+              <p:spPr>
+                <a:xfrm>
+                  <a:off x="810229" y="2113948"/>
+                  <a:ext cx="3437680" cy="3429704"/>
+                </a:xfrm>
+                <a:prstGeom prst="rect">
+                  <a:avLst/>
+                </a:prstGeom>
+              </p:spPr>
+            </p:pic>
+            <p:sp>
+              <p:nvSpPr>
+                <p:cNvPr id="9" name="テキスト ボックス 8">
+                  <a:extLst>
+                    <a:ext uri="{FF2B5EF4-FFF2-40B4-BE49-F238E27FC236}">
+                      <a16:creationId xmlns:a16="http://schemas.microsoft.com/office/drawing/2014/main" id="{6417053A-67ED-A947-B9AC-D1F4C324DC8B}"/>
+                    </a:ext>
+                  </a:extLst>
+                </p:cNvPr>
+                <p:cNvSpPr txBox="1"/>
+                <p:nvPr/>
+              </p:nvSpPr>
+              <p:spPr>
+                <a:xfrm>
+                  <a:off x="4150866" y="1691929"/>
+                  <a:ext cx="1210588" cy="400110"/>
+                </a:xfrm>
+                <a:prstGeom prst="rect">
+                  <a:avLst/>
+                </a:prstGeom>
+                <a:noFill/>
+              </p:spPr>
+              <p:txBody>
+                <a:bodyPr wrap="none" rtlCol="0">
+                  <a:spAutoFit/>
+                </a:bodyPr>
+                <a:lstStyle/>
+                <a:p>
+                  <a:r>
+                    <a:rPr lang="ja-JP" altLang="en-US" sz="2000"/>
+                    <a:t>ホロ構造</a:t>
+                  </a:r>
+                  <a:endParaRPr kumimoji="1" lang="ja-JP" altLang="en-US" sz="2000"/>
+                </a:p>
+              </p:txBody>
+            </p:sp>
+          </p:grpSp>
+          <p:sp>
+            <p:nvSpPr>
+              <p:cNvPr id="11" name="ドーナツ 10">
+                <a:extLst>
+                  <a:ext uri="{FF2B5EF4-FFF2-40B4-BE49-F238E27FC236}">
+                    <a16:creationId xmlns:a16="http://schemas.microsoft.com/office/drawing/2014/main" id="{5A2FE089-8746-FE48-A190-C47ACDD055FA}"/>
+                  </a:ext>
+                </a:extLst>
+              </p:cNvPr>
+              <p:cNvSpPr/>
+              <p:nvPr/>
+            </p:nvSpPr>
+            <p:spPr>
+              <a:xfrm rot="1214002">
+                <a:off x="1529916" y="3136469"/>
+                <a:ext cx="1366370" cy="2504474"/>
+              </a:xfrm>
+              <a:prstGeom prst="donut">
+                <a:avLst>
+                  <a:gd name="adj" fmla="val 6561"/>
+                </a:avLst>
+              </a:prstGeom>
+              <a:solidFill>
+                <a:srgbClr val="0070C0"/>
+              </a:solidFill>
+              <a:ln>
+                <a:noFill/>
+              </a:ln>
+            </p:spPr>
+            <p:style>
+              <a:lnRef idx="2">
+                <a:schemeClr val="accent1">
+                  <a:shade val="50000"/>
+                </a:schemeClr>
+              </a:lnRef>
+              <a:fillRef idx="1">
+                <a:schemeClr val="accent1"/>
+              </a:fillRef>
+              <a:effectRef idx="0">
+                <a:schemeClr val="accent1"/>
+              </a:effectRef>
+              <a:fontRef idx="minor">
+                <a:schemeClr val="lt1"/>
+              </a:fontRef>
+            </p:style>
+            <p:txBody>
+              <a:bodyPr rtlCol="0" anchor="ctr"/>
+              <a:lstStyle/>
+              <a:p>
+                <a:pPr algn="ctr"/>
+                <a:endParaRPr kumimoji="1" lang="ja-JP" altLang="en-US">
+                  <a:solidFill>
+                    <a:schemeClr val="tx1"/>
+                  </a:solidFill>
+                </a:endParaRPr>
+              </a:p>
+            </p:txBody>
+          </p:sp>
+        </p:grpSp>
+        <p:sp>
+          <p:nvSpPr>
+            <p:cNvPr id="12" name="ドーナツ 11">
+              <a:extLst>
+                <a:ext uri="{FF2B5EF4-FFF2-40B4-BE49-F238E27FC236}">
+                  <a16:creationId xmlns:a16="http://schemas.microsoft.com/office/drawing/2014/main" id="{18133ED2-0E23-CC4D-B66E-FC3C258BDC52}"/>
+                </a:ext>
+              </a:extLst>
+            </p:cNvPr>
+            <p:cNvSpPr/>
+            <p:nvPr/>
+          </p:nvSpPr>
+          <p:spPr>
+            <a:xfrm rot="1214002">
+              <a:off x="4967595" y="3136469"/>
+              <a:ext cx="1366370" cy="2504474"/>
+            </a:xfrm>
+            <a:prstGeom prst="donut">
+              <a:avLst>
+                <a:gd name="adj" fmla="val 6314"/>
+              </a:avLst>
+            </a:prstGeom>
+            <a:solidFill>
+              <a:srgbClr val="0070C0"/>
+            </a:solidFill>
+            <a:ln>
+              <a:noFill/>
+            </a:ln>
+          </p:spPr>
+          <p:style>
+            <a:lnRef idx="2">
+              <a:schemeClr val="accent1">
+                <a:shade val="50000"/>
+              </a:schemeClr>
+            </a:lnRef>
+            <a:fillRef idx="1">
+              <a:schemeClr val="accent1"/>
+            </a:fillRef>
+            <a:effectRef idx="0">
+              <a:schemeClr val="accent1"/>
+            </a:effectRef>
+            <a:fontRef idx="minor">
+              <a:schemeClr val="lt1"/>
+            </a:fontRef>
+          </p:style>
+          <p:txBody>
+            <a:bodyPr rtlCol="0" anchor="ctr"/>
+            <a:lstStyle/>
+            <a:p>
+              <a:pPr algn="ctr"/>
+              <a:endParaRPr kumimoji="1" lang="ja-JP" altLang="en-US">
+                <a:solidFill>
+                  <a:schemeClr val="tx1"/>
+                </a:solidFill>
+              </a:endParaRPr>
+            </a:p>
+          </p:txBody>
+        </p:sp>
+      </p:grpSp>
     </p:spTree>
     <p:extLst>
       <p:ext uri="{BB962C8B-B14F-4D97-AF65-F5344CB8AC3E}">
